--- a/Sunday_Tuesday_Thursday/Class_14_12_March_2019/Possessive.pptx
+++ b/Sunday_Tuesday_Thursday/Class_14_12_March_2019/Possessive.pptx
@@ -9,7 +9,6 @@
   </p:notesMasterIdLst>
   <p:sldIdLst>
     <p:sldId id="256" r:id="rId4"/>
-    <p:sldId id="257" r:id="rId5"/>
   </p:sldIdLst>
   <p:sldSz cx="10080625" cy="7559675"/>
   <p:notesSz cx="7559675" cy="10691812"/>
@@ -117,7 +116,7 @@
                 </a:uFill>
                 <a:latin typeface="Times New Roman"/>
               </a:rPr>
-              <a:t>&lt;header&gt;</a:t>
+              <a:t> </a:t>
             </a:r>
             <a:endParaRPr b="0" lang="en-US" sz="1400" spc="-1" strike="noStrike">
               <a:solidFill>
@@ -168,7 +167,7 @@
                 </a:uFill>
                 <a:latin typeface="Times New Roman"/>
               </a:rPr>
-              <a:t>&lt;date/time&gt;</a:t>
+              <a:t> </a:t>
             </a:r>
             <a:endParaRPr b="0" lang="en-US" sz="1400" spc="-1" strike="noStrike">
               <a:solidFill>
@@ -218,7 +217,7 @@
                 </a:uFill>
                 <a:latin typeface="Times New Roman"/>
               </a:rPr>
-              <a:t>&lt;footer&gt;</a:t>
+              <a:t> </a:t>
             </a:r>
             <a:endParaRPr b="0" lang="en-US" sz="1400" spc="-1" strike="noStrike">
               <a:solidFill>
@@ -257,7 +256,7 @@
           <a:bodyPr lIns="0" rIns="0" tIns="0" bIns="0" anchor="b"/>
           <a:p>
             <a:pPr algn="r"/>
-            <a:fld id="{FAA93B84-FE66-4E86-AA4F-2A65B2F6E92E}" type="slidenum">
+            <a:fld id="{A6CA6045-821A-4CDF-B755-F106AD05F6FD}" type="slidenum">
               <a:rPr b="0" lang="en-US" sz="1400" spc="-1" strike="noStrike">
                 <a:solidFill>
                   <a:srgbClr val="000000"/>
@@ -269,7 +268,7 @@
                 </a:uFill>
                 <a:latin typeface="Times New Roman"/>
               </a:rPr>
-              <a:t>&lt;number&gt;</a:t>
+              <a:t>1</a:t>
             </a:fld>
             <a:endParaRPr b="0" lang="en-US" sz="1400" spc="-1" strike="noStrike">
               <a:solidFill>
@@ -310,14 +309,14 @@
       </p:grpSpPr>
       <p:sp>
         <p:nvSpPr>
-          <p:cNvPr id="45" name="CustomShape 1"/>
+          <p:cNvPr id="43" name="CustomShape 1"/>
           <p:cNvSpPr/>
           <p:nvPr/>
         </p:nvSpPr>
         <p:spPr>
           <a:xfrm>
             <a:off x="755640" y="5078520"/>
-            <a:ext cx="6045480" cy="4808880"/>
+            <a:ext cx="6045120" cy="4808520"/>
           </a:xfrm>
           <a:custGeom>
             <a:avLst/>
@@ -359,7 +358,7 @@
       </p:sp>
       <p:sp>
         <p:nvSpPr>
-          <p:cNvPr id="46" name="PlaceHolder 2"/>
+          <p:cNvPr id="44" name="PlaceHolder 2"/>
           <p:cNvSpPr>
             <a:spLocks noGrp="1"/>
           </p:cNvSpPr>
@@ -370,114 +369,7 @@
         <p:spPr>
           <a:xfrm>
             <a:off x="756000" y="5078520"/>
-            <a:ext cx="6045840" cy="4809600"/>
-          </a:xfrm>
-          <a:prstGeom prst="rect">
-            <a:avLst/>
-          </a:prstGeom>
-        </p:spPr>
-        <p:txBody>
-          <a:bodyPr lIns="0" rIns="0" tIns="91440" bIns="91440"/>
-          <a:p>
-            <a:endParaRPr b="0" lang="en-US" sz="2000" spc="-1" strike="noStrike">
-              <a:solidFill>
-                <a:srgbClr val="000000"/>
-              </a:solidFill>
-              <a:uFill>
-                <a:solidFill>
-                  <a:srgbClr val="ffffff"/>
-                </a:solidFill>
-              </a:uFill>
-              <a:latin typeface="Arial"/>
-            </a:endParaRPr>
-          </a:p>
-        </p:txBody>
-      </p:sp>
-    </p:spTree>
-  </p:cSld>
-</p:notes>
-</file>
-
-<file path=ppt/notesSlides/notesSlide2.xml><?xml version="1.0" encoding="utf-8"?>
-<p:notes xmlns:a="http://schemas.openxmlformats.org/drawingml/2006/main" xmlns:p="http://schemas.openxmlformats.org/presentationml/2006/main" xmlns:r="http://schemas.openxmlformats.org/officeDocument/2006/relationships" xmlns:p14="http://schemas.microsoft.com/office/powerpoint/2010/main" xmlns:p15="http://schemas.microsoft.com/office/powerpoint/2012/main" xmlns:mc="http://schemas.openxmlformats.org/markup-compatibility/2006">
-  <p:cSld>
-    <p:spTree>
-      <p:nvGrpSpPr>
-        <p:cNvPr id="1" name=""/>
-        <p:cNvGrpSpPr/>
-        <p:nvPr/>
-      </p:nvGrpSpPr>
-      <p:grpSpPr>
-        <a:xfrm>
-          <a:off x="0" y="0"/>
-          <a:ext cx="0" cy="0"/>
-          <a:chOff x="0" y="0"/>
-          <a:chExt cx="0" cy="0"/>
-        </a:xfrm>
-      </p:grpSpPr>
-      <p:sp>
-        <p:nvSpPr>
-          <p:cNvPr id="47" name="CustomShape 1"/>
-          <p:cNvSpPr/>
-          <p:nvPr/>
-        </p:nvSpPr>
-        <p:spPr>
-          <a:xfrm>
-            <a:off x="755640" y="5078520"/>
-            <a:ext cx="6045480" cy="4808880"/>
-          </a:xfrm>
-          <a:custGeom>
-            <a:avLst/>
-            <a:gdLst/>
-            <a:ahLst/>
-            <a:rect l="l" t="t" r="r" b="b"/>
-            <a:pathLst>
-              <a:path w="21600" h="21600">
-                <a:moveTo>
-                  <a:pt x="0" y="0"/>
-                </a:moveTo>
-                <a:lnTo>
-                  <a:pt x="21600" y="0"/>
-                </a:lnTo>
-                <a:lnTo>
-                  <a:pt x="21600" y="21600"/>
-                </a:lnTo>
-                <a:lnTo>
-                  <a:pt x="0" y="21600"/>
-                </a:lnTo>
-                <a:lnTo>
-                  <a:pt x="0" y="0"/>
-                </a:lnTo>
-                <a:close/>
-              </a:path>
-            </a:pathLst>
-          </a:custGeom>
-          <a:noFill/>
-          <a:ln>
-            <a:noFill/>
-          </a:ln>
-        </p:spPr>
-        <p:style>
-          <a:lnRef idx="0"/>
-          <a:fillRef idx="0"/>
-          <a:effectRef idx="0"/>
-          <a:fontRef idx="minor"/>
-        </p:style>
-      </p:sp>
-      <p:sp>
-        <p:nvSpPr>
-          <p:cNvPr id="48" name="PlaceHolder 2"/>
-          <p:cNvSpPr>
-            <a:spLocks noGrp="1"/>
-          </p:cNvSpPr>
-          <p:nvPr>
-            <p:ph type="body"/>
-          </p:nvPr>
-        </p:nvSpPr>
-        <p:spPr>
-          <a:xfrm>
-            <a:off x="756000" y="5078520"/>
-            <a:ext cx="6045840" cy="4809600"/>
+            <a:ext cx="6045480" cy="4809240"/>
           </a:xfrm>
           <a:prstGeom prst="rect">
             <a:avLst/>
@@ -557,7 +449,7 @@
         <p:spPr>
           <a:xfrm>
             <a:off x="504000" y="301320"/>
-            <a:ext cx="9072000" cy="1261800"/>
+            <a:ext cx="9071640" cy="1261440"/>
           </a:xfrm>
           <a:prstGeom prst="rect">
             <a:avLst/>
@@ -566,7 +458,8 @@
         <p:txBody>
           <a:bodyPr lIns="0" rIns="0" tIns="0" bIns="0" anchor="ctr"/>
           <a:p>
-            <a:endParaRPr b="0" lang="en-US" sz="1400" spc="-1" strike="noStrike">
+            <a:pPr algn="ctr"/>
+            <a:endParaRPr b="0" lang="en-US" sz="4400" spc="-1" strike="noStrike">
               <a:solidFill>
                 <a:srgbClr val="000000"/>
               </a:solidFill>
@@ -602,7 +495,7 @@
         <p:txBody>
           <a:bodyPr lIns="0" rIns="0" tIns="0" bIns="0"/>
           <a:p>
-            <a:endParaRPr b="0" lang="en-US" sz="1400" spc="-1" strike="noStrike">
+            <a:endParaRPr b="0" lang="en-US" sz="3200" spc="-1" strike="noStrike">
               <a:solidFill>
                 <a:srgbClr val="000000"/>
               </a:solidFill>
@@ -638,7 +531,7 @@
         <p:txBody>
           <a:bodyPr lIns="0" rIns="0" tIns="0" bIns="0"/>
           <a:p>
-            <a:endParaRPr b="0" lang="en-US" sz="1400" spc="-1" strike="noStrike">
+            <a:endParaRPr b="0" lang="en-US" sz="3200" spc="-1" strike="noStrike">
               <a:solidFill>
                 <a:srgbClr val="000000"/>
               </a:solidFill>
@@ -687,7 +580,7 @@
         <p:spPr>
           <a:xfrm>
             <a:off x="504000" y="301320"/>
-            <a:ext cx="9072000" cy="1261800"/>
+            <a:ext cx="9071640" cy="1261440"/>
           </a:xfrm>
           <a:prstGeom prst="rect">
             <a:avLst/>
@@ -696,7 +589,8 @@
         <p:txBody>
           <a:bodyPr lIns="0" rIns="0" tIns="0" bIns="0" anchor="ctr"/>
           <a:p>
-            <a:endParaRPr b="0" lang="en-US" sz="1400" spc="-1" strike="noStrike">
+            <a:pPr algn="ctr"/>
+            <a:endParaRPr b="0" lang="en-US" sz="4400" spc="-1" strike="noStrike">
               <a:solidFill>
                 <a:srgbClr val="000000"/>
               </a:solidFill>
@@ -732,7 +626,7 @@
         <p:txBody>
           <a:bodyPr lIns="0" rIns="0" tIns="0" bIns="0"/>
           <a:p>
-            <a:endParaRPr b="0" lang="en-US" sz="1400" spc="-1" strike="noStrike">
+            <a:endParaRPr b="0" lang="en-US" sz="3200" spc="-1" strike="noStrike">
               <a:solidFill>
                 <a:srgbClr val="000000"/>
               </a:solidFill>
@@ -768,7 +662,7 @@
         <p:txBody>
           <a:bodyPr lIns="0" rIns="0" tIns="0" bIns="0"/>
           <a:p>
-            <a:endParaRPr b="0" lang="en-US" sz="1400" spc="-1" strike="noStrike">
+            <a:endParaRPr b="0" lang="en-US" sz="3200" spc="-1" strike="noStrike">
               <a:solidFill>
                 <a:srgbClr val="000000"/>
               </a:solidFill>
@@ -804,7 +698,7 @@
         <p:txBody>
           <a:bodyPr lIns="0" rIns="0" tIns="0" bIns="0"/>
           <a:p>
-            <a:endParaRPr b="0" lang="en-US" sz="1400" spc="-1" strike="noStrike">
+            <a:endParaRPr b="0" lang="en-US" sz="3200" spc="-1" strike="noStrike">
               <a:solidFill>
                 <a:srgbClr val="000000"/>
               </a:solidFill>
@@ -840,7 +734,7 @@
         <p:txBody>
           <a:bodyPr lIns="0" rIns="0" tIns="0" bIns="0"/>
           <a:p>
-            <a:endParaRPr b="0" lang="en-US" sz="1400" spc="-1" strike="noStrike">
+            <a:endParaRPr b="0" lang="en-US" sz="3200" spc="-1" strike="noStrike">
               <a:solidFill>
                 <a:srgbClr val="000000"/>
               </a:solidFill>
@@ -889,7 +783,7 @@
         <p:spPr>
           <a:xfrm>
             <a:off x="504000" y="301320"/>
-            <a:ext cx="9072000" cy="1261800"/>
+            <a:ext cx="9071640" cy="1261440"/>
           </a:xfrm>
           <a:prstGeom prst="rect">
             <a:avLst/>
@@ -898,7 +792,8 @@
         <p:txBody>
           <a:bodyPr lIns="0" rIns="0" tIns="0" bIns="0" anchor="ctr"/>
           <a:p>
-            <a:endParaRPr b="0" lang="en-US" sz="1400" spc="-1" strike="noStrike">
+            <a:pPr algn="ctr"/>
+            <a:endParaRPr b="0" lang="en-US" sz="4400" spc="-1" strike="noStrike">
               <a:solidFill>
                 <a:srgbClr val="000000"/>
               </a:solidFill>
@@ -934,7 +829,7 @@
         <p:txBody>
           <a:bodyPr lIns="0" rIns="0" tIns="0" bIns="0"/>
           <a:p>
-            <a:endParaRPr b="0" lang="en-US" sz="1400" spc="-1" strike="noStrike">
+            <a:endParaRPr b="0" lang="en-US" sz="3200" spc="-1" strike="noStrike">
               <a:solidFill>
                 <a:srgbClr val="000000"/>
               </a:solidFill>
@@ -970,7 +865,7 @@
         <p:txBody>
           <a:bodyPr lIns="0" rIns="0" tIns="0" bIns="0"/>
           <a:p>
-            <a:endParaRPr b="0" lang="en-US" sz="1400" spc="-1" strike="noStrike">
+            <a:endParaRPr b="0" lang="en-US" sz="3200" spc="-1" strike="noStrike">
               <a:solidFill>
                 <a:srgbClr val="000000"/>
               </a:solidFill>
@@ -1065,7 +960,7 @@
         <p:spPr>
           <a:xfrm>
             <a:off x="504000" y="301320"/>
-            <a:ext cx="9072000" cy="1261800"/>
+            <a:ext cx="9071640" cy="1261440"/>
           </a:xfrm>
           <a:prstGeom prst="rect">
             <a:avLst/>
@@ -1074,7 +969,8 @@
         <p:txBody>
           <a:bodyPr lIns="0" rIns="0" tIns="0" bIns="0" anchor="ctr"/>
           <a:p>
-            <a:endParaRPr b="0" lang="en-US" sz="1400" spc="-1" strike="noStrike">
+            <a:pPr algn="ctr"/>
+            <a:endParaRPr b="0" lang="en-US" sz="4400" spc="-1" strike="noStrike">
               <a:solidFill>
                 <a:srgbClr val="000000"/>
               </a:solidFill>
@@ -1160,7 +1056,7 @@
         <p:spPr>
           <a:xfrm>
             <a:off x="504000" y="301320"/>
-            <a:ext cx="9072000" cy="1261800"/>
+            <a:ext cx="9071640" cy="1261440"/>
           </a:xfrm>
           <a:prstGeom prst="rect">
             <a:avLst/>
@@ -1169,7 +1065,8 @@
         <p:txBody>
           <a:bodyPr lIns="0" rIns="0" tIns="0" bIns="0" anchor="ctr"/>
           <a:p>
-            <a:endParaRPr b="0" lang="en-US" sz="1400" spc="-1" strike="noStrike">
+            <a:pPr algn="ctr"/>
+            <a:endParaRPr b="0" lang="en-US" sz="4400" spc="-1" strike="noStrike">
               <a:solidFill>
                 <a:srgbClr val="000000"/>
               </a:solidFill>
@@ -1205,7 +1102,7 @@
         <p:txBody>
           <a:bodyPr lIns="0" rIns="0" tIns="0" bIns="0"/>
           <a:p>
-            <a:endParaRPr b="0" lang="en-US" sz="1400" spc="-1" strike="noStrike">
+            <a:endParaRPr b="0" lang="en-US" sz="3200" spc="-1" strike="noStrike">
               <a:solidFill>
                 <a:srgbClr val="000000"/>
               </a:solidFill>
@@ -1254,7 +1151,7 @@
         <p:spPr>
           <a:xfrm>
             <a:off x="504000" y="301320"/>
-            <a:ext cx="9072000" cy="1261800"/>
+            <a:ext cx="9071640" cy="1261440"/>
           </a:xfrm>
           <a:prstGeom prst="rect">
             <a:avLst/>
@@ -1263,7 +1160,8 @@
         <p:txBody>
           <a:bodyPr lIns="0" rIns="0" tIns="0" bIns="0" anchor="ctr"/>
           <a:p>
-            <a:endParaRPr b="0" lang="en-US" sz="1400" spc="-1" strike="noStrike">
+            <a:pPr algn="ctr"/>
+            <a:endParaRPr b="0" lang="en-US" sz="4400" spc="-1" strike="noStrike">
               <a:solidFill>
                 <a:srgbClr val="000000"/>
               </a:solidFill>
@@ -1299,7 +1197,7 @@
         <p:txBody>
           <a:bodyPr lIns="0" rIns="0" tIns="0" bIns="0"/>
           <a:p>
-            <a:endParaRPr b="0" lang="en-US" sz="1400" spc="-1" strike="noStrike">
+            <a:endParaRPr b="0" lang="en-US" sz="3200" spc="-1" strike="noStrike">
               <a:solidFill>
                 <a:srgbClr val="000000"/>
               </a:solidFill>
@@ -1335,7 +1233,7 @@
         <p:txBody>
           <a:bodyPr lIns="0" rIns="0" tIns="0" bIns="0"/>
           <a:p>
-            <a:endParaRPr b="0" lang="en-US" sz="1400" spc="-1" strike="noStrike">
+            <a:endParaRPr b="0" lang="en-US" sz="3200" spc="-1" strike="noStrike">
               <a:solidFill>
                 <a:srgbClr val="000000"/>
               </a:solidFill>
@@ -1384,7 +1282,7 @@
         <p:spPr>
           <a:xfrm>
             <a:off x="504000" y="301320"/>
-            <a:ext cx="9072000" cy="1261800"/>
+            <a:ext cx="9071640" cy="1261440"/>
           </a:xfrm>
           <a:prstGeom prst="rect">
             <a:avLst/>
@@ -1393,7 +1291,8 @@
         <p:txBody>
           <a:bodyPr lIns="0" rIns="0" tIns="0" bIns="0" anchor="ctr"/>
           <a:p>
-            <a:endParaRPr b="0" lang="en-US" sz="1400" spc="-1" strike="noStrike">
+            <a:pPr algn="ctr"/>
+            <a:endParaRPr b="0" lang="en-US" sz="4400" spc="-1" strike="noStrike">
               <a:solidFill>
                 <a:srgbClr val="000000"/>
               </a:solidFill>
@@ -1442,7 +1341,7 @@
         <p:spPr>
           <a:xfrm>
             <a:off x="504000" y="301320"/>
-            <a:ext cx="9072000" cy="5850360"/>
+            <a:ext cx="9071640" cy="5848560"/>
           </a:xfrm>
           <a:prstGeom prst="rect">
             <a:avLst/>
@@ -1501,7 +1400,7 @@
         <p:spPr>
           <a:xfrm>
             <a:off x="504000" y="301320"/>
-            <a:ext cx="9072000" cy="1261800"/>
+            <a:ext cx="9071640" cy="1261440"/>
           </a:xfrm>
           <a:prstGeom prst="rect">
             <a:avLst/>
@@ -1510,7 +1409,8 @@
         <p:txBody>
           <a:bodyPr lIns="0" rIns="0" tIns="0" bIns="0" anchor="ctr"/>
           <a:p>
-            <a:endParaRPr b="0" lang="en-US" sz="1400" spc="-1" strike="noStrike">
+            <a:pPr algn="ctr"/>
+            <a:endParaRPr b="0" lang="en-US" sz="4400" spc="-1" strike="noStrike">
               <a:solidFill>
                 <a:srgbClr val="000000"/>
               </a:solidFill>
@@ -1546,7 +1446,7 @@
         <p:txBody>
           <a:bodyPr lIns="0" rIns="0" tIns="0" bIns="0"/>
           <a:p>
-            <a:endParaRPr b="0" lang="en-US" sz="1400" spc="-1" strike="noStrike">
+            <a:endParaRPr b="0" lang="en-US" sz="3200" spc="-1" strike="noStrike">
               <a:solidFill>
                 <a:srgbClr val="000000"/>
               </a:solidFill>
@@ -1582,7 +1482,7 @@
         <p:txBody>
           <a:bodyPr lIns="0" rIns="0" tIns="0" bIns="0"/>
           <a:p>
-            <a:endParaRPr b="0" lang="en-US" sz="1400" spc="-1" strike="noStrike">
+            <a:endParaRPr b="0" lang="en-US" sz="3200" spc="-1" strike="noStrike">
               <a:solidFill>
                 <a:srgbClr val="000000"/>
               </a:solidFill>
@@ -1618,7 +1518,7 @@
         <p:txBody>
           <a:bodyPr lIns="0" rIns="0" tIns="0" bIns="0"/>
           <a:p>
-            <a:endParaRPr b="0" lang="en-US" sz="1400" spc="-1" strike="noStrike">
+            <a:endParaRPr b="0" lang="en-US" sz="3200" spc="-1" strike="noStrike">
               <a:solidFill>
                 <a:srgbClr val="000000"/>
               </a:solidFill>
@@ -1667,7 +1567,7 @@
         <p:spPr>
           <a:xfrm>
             <a:off x="504000" y="301320"/>
-            <a:ext cx="9072000" cy="1261800"/>
+            <a:ext cx="9071640" cy="1261440"/>
           </a:xfrm>
           <a:prstGeom prst="rect">
             <a:avLst/>
@@ -1676,7 +1576,8 @@
         <p:txBody>
           <a:bodyPr lIns="0" rIns="0" tIns="0" bIns="0" anchor="ctr"/>
           <a:p>
-            <a:endParaRPr b="0" lang="en-US" sz="1400" spc="-1" strike="noStrike">
+            <a:pPr algn="ctr"/>
+            <a:endParaRPr b="0" lang="en-US" sz="4400" spc="-1" strike="noStrike">
               <a:solidFill>
                 <a:srgbClr val="000000"/>
               </a:solidFill>
@@ -1712,7 +1613,7 @@
         <p:txBody>
           <a:bodyPr lIns="0" rIns="0" tIns="0" bIns="0"/>
           <a:p>
-            <a:endParaRPr b="0" lang="en-US" sz="1400" spc="-1" strike="noStrike">
+            <a:endParaRPr b="0" lang="en-US" sz="3200" spc="-1" strike="noStrike">
               <a:solidFill>
                 <a:srgbClr val="000000"/>
               </a:solidFill>
@@ -1748,7 +1649,7 @@
         <p:txBody>
           <a:bodyPr lIns="0" rIns="0" tIns="0" bIns="0"/>
           <a:p>
-            <a:endParaRPr b="0" lang="en-US" sz="1400" spc="-1" strike="noStrike">
+            <a:endParaRPr b="0" lang="en-US" sz="3200" spc="-1" strike="noStrike">
               <a:solidFill>
                 <a:srgbClr val="000000"/>
               </a:solidFill>
@@ -1784,7 +1685,7 @@
         <p:txBody>
           <a:bodyPr lIns="0" rIns="0" tIns="0" bIns="0"/>
           <a:p>
-            <a:endParaRPr b="0" lang="en-US" sz="1400" spc="-1" strike="noStrike">
+            <a:endParaRPr b="0" lang="en-US" sz="3200" spc="-1" strike="noStrike">
               <a:solidFill>
                 <a:srgbClr val="000000"/>
               </a:solidFill>
@@ -1833,7 +1734,7 @@
         <p:spPr>
           <a:xfrm>
             <a:off x="504000" y="301320"/>
-            <a:ext cx="9072000" cy="1261800"/>
+            <a:ext cx="9071640" cy="1261440"/>
           </a:xfrm>
           <a:prstGeom prst="rect">
             <a:avLst/>
@@ -1842,7 +1743,8 @@
         <p:txBody>
           <a:bodyPr lIns="0" rIns="0" tIns="0" bIns="0" anchor="ctr"/>
           <a:p>
-            <a:endParaRPr b="0" lang="en-US" sz="1400" spc="-1" strike="noStrike">
+            <a:pPr algn="ctr"/>
+            <a:endParaRPr b="0" lang="en-US" sz="4400" spc="-1" strike="noStrike">
               <a:solidFill>
                 <a:srgbClr val="000000"/>
               </a:solidFill>
@@ -1878,7 +1780,7 @@
         <p:txBody>
           <a:bodyPr lIns="0" rIns="0" tIns="0" bIns="0"/>
           <a:p>
-            <a:endParaRPr b="0" lang="en-US" sz="1400" spc="-1" strike="noStrike">
+            <a:endParaRPr b="0" lang="en-US" sz="3200" spc="-1" strike="noStrike">
               <a:solidFill>
                 <a:srgbClr val="000000"/>
               </a:solidFill>
@@ -1914,7 +1816,7 @@
         <p:txBody>
           <a:bodyPr lIns="0" rIns="0" tIns="0" bIns="0"/>
           <a:p>
-            <a:endParaRPr b="0" lang="en-US" sz="1400" spc="-1" strike="noStrike">
+            <a:endParaRPr b="0" lang="en-US" sz="3200" spc="-1" strike="noStrike">
               <a:solidFill>
                 <a:srgbClr val="000000"/>
               </a:solidFill>
@@ -1950,7 +1852,7 @@
         <p:txBody>
           <a:bodyPr lIns="0" rIns="0" tIns="0" bIns="0"/>
           <a:p>
-            <a:endParaRPr b="0" lang="en-US" sz="1400" spc="-1" strike="noStrike">
+            <a:endParaRPr b="0" lang="en-US" sz="3200" spc="-1" strike="noStrike">
               <a:solidFill>
                 <a:srgbClr val="000000"/>
               </a:solidFill>
@@ -1999,7 +1901,7 @@
         <p:spPr>
           <a:xfrm>
             <a:off x="504000" y="301320"/>
-            <a:ext cx="9072000" cy="1261800"/>
+            <a:ext cx="9071640" cy="1261440"/>
           </a:xfrm>
           <a:prstGeom prst="rect">
             <a:avLst/>
@@ -2008,21 +1910,8 @@
         <p:txBody>
           <a:bodyPr lIns="0" rIns="0" tIns="0" bIns="0" anchor="ctr"/>
           <a:p>
-            <a:r>
-              <a:rPr b="0" lang="en-US" sz="1400" spc="-1" strike="noStrike">
-                <a:solidFill>
-                  <a:srgbClr val="000000"/>
-                </a:solidFill>
-                <a:uFill>
-                  <a:solidFill>
-                    <a:srgbClr val="ffffff"/>
-                  </a:solidFill>
-                </a:uFill>
-                <a:latin typeface="Arial"/>
-              </a:rPr>
-              <a:t>Click to edit the title text format</a:t>
-            </a:r>
-            <a:endParaRPr b="0" lang="en-US" sz="1400" spc="-1" strike="noStrike">
+            <a:pPr algn="ctr"/>
+            <a:endParaRPr b="0" lang="en-US" sz="4400" spc="-1" strike="noStrike">
               <a:solidFill>
                 <a:srgbClr val="000000"/>
               </a:solidFill>
@@ -2067,7 +1956,7 @@
               <a:buChar char=""/>
             </a:pPr>
             <a:r>
-              <a:rPr b="0" lang="en-US" sz="1400" spc="-1" strike="noStrike">
+              <a:rPr b="0" lang="en-US" sz="3200" spc="-1" strike="noStrike">
                 <a:solidFill>
                   <a:srgbClr val="000000"/>
                 </a:solidFill>
@@ -2080,7 +1969,7 @@
               </a:rPr>
               <a:t>Click to edit the outline text format</a:t>
             </a:r>
-            <a:endParaRPr b="0" lang="en-US" sz="1400" spc="-1" strike="noStrike">
+            <a:endParaRPr b="0" lang="en-US" sz="3200" spc="-1" strike="noStrike">
               <a:solidFill>
                 <a:srgbClr val="000000"/>
               </a:solidFill>
@@ -2102,7 +1991,7 @@
               <a:buChar char=""/>
             </a:pPr>
             <a:r>
-              <a:rPr b="0" lang="en-US" sz="1400" spc="-1" strike="noStrike">
+              <a:rPr b="0" lang="en-US" sz="2800" spc="-1" strike="noStrike">
                 <a:solidFill>
                   <a:srgbClr val="000000"/>
                 </a:solidFill>
@@ -2115,7 +2004,7 @@
               </a:rPr>
               <a:t>Second Outline Level</a:t>
             </a:r>
-            <a:endParaRPr b="0" lang="en-US" sz="1400" spc="-1" strike="noStrike">
+            <a:endParaRPr b="0" lang="en-US" sz="2800" spc="-1" strike="noStrike">
               <a:solidFill>
                 <a:srgbClr val="000000"/>
               </a:solidFill>
@@ -2137,7 +2026,7 @@
               <a:buChar char=""/>
             </a:pPr>
             <a:r>
-              <a:rPr b="0" lang="en-US" sz="1400" spc="-1" strike="noStrike">
+              <a:rPr b="0" lang="en-US" sz="2400" spc="-1" strike="noStrike">
                 <a:solidFill>
                   <a:srgbClr val="000000"/>
                 </a:solidFill>
@@ -2150,7 +2039,7 @@
               </a:rPr>
               <a:t>Third Outline Level</a:t>
             </a:r>
-            <a:endParaRPr b="0" lang="en-US" sz="1400" spc="-1" strike="noStrike">
+            <a:endParaRPr b="0" lang="en-US" sz="2400" spc="-1" strike="noStrike">
               <a:solidFill>
                 <a:srgbClr val="000000"/>
               </a:solidFill>
@@ -2172,7 +2061,7 @@
               <a:buChar char=""/>
             </a:pPr>
             <a:r>
-              <a:rPr b="0" lang="en-US" sz="1400" spc="-1" strike="noStrike">
+              <a:rPr b="0" lang="en-US" sz="2000" spc="-1" strike="noStrike">
                 <a:solidFill>
                   <a:srgbClr val="000000"/>
                 </a:solidFill>
@@ -2185,7 +2074,7 @@
               </a:rPr>
               <a:t>Fourth Outline Level</a:t>
             </a:r>
-            <a:endParaRPr b="0" lang="en-US" sz="1400" spc="-1" strike="noStrike">
+            <a:endParaRPr b="0" lang="en-US" sz="2000" spc="-1" strike="noStrike">
               <a:solidFill>
                 <a:srgbClr val="000000"/>
               </a:solidFill>
@@ -2357,7 +2246,7 @@
         <p:spPr>
           <a:xfrm>
             <a:off x="456480" y="1188720"/>
-            <a:ext cx="9066960" cy="6215400"/>
+            <a:ext cx="9066600" cy="6215040"/>
           </a:xfrm>
           <a:prstGeom prst="rect">
             <a:avLst/>
@@ -2442,7 +2331,7 @@
             </a:endParaRPr>
           </a:p>
           <a:p>
-            <a:pPr marL="215640" indent="-206280">
+            <a:pPr marL="215640" indent="-205920">
               <a:lnSpc>
                 <a:spcPct val="98000"/>
               </a:lnSpc>
@@ -2475,7 +2364,7 @@
             </a:endParaRPr>
           </a:p>
           <a:p>
-            <a:pPr marL="215640" indent="-206280">
+            <a:pPr marL="215640" indent="-205920">
               <a:lnSpc>
                 <a:spcPct val="98000"/>
               </a:lnSpc>
@@ -2508,7 +2397,7 @@
             </a:endParaRPr>
           </a:p>
           <a:p>
-            <a:pPr marL="215640" indent="-206280">
+            <a:pPr marL="215640" indent="-205920">
               <a:lnSpc>
                 <a:spcPct val="98000"/>
               </a:lnSpc>
@@ -2551,7 +2440,7 @@
         <p:spPr>
           <a:xfrm>
             <a:off x="437760" y="194400"/>
-            <a:ext cx="9066960" cy="6752880"/>
+            <a:ext cx="9066600" cy="6752520"/>
           </a:xfrm>
           <a:custGeom>
             <a:avLst/>
@@ -2644,7 +2533,7 @@
             </a:endParaRPr>
           </a:p>
           <a:p>
-            <a:pPr marL="216000" indent="-216000">
+            <a:pPr marL="216000" indent="-215640">
               <a:lnSpc>
                 <a:spcPct val="115000"/>
               </a:lnSpc>
@@ -2683,7 +2572,7 @@
             </a:endParaRPr>
           </a:p>
           <a:p>
-            <a:pPr marL="216000" indent="-216000">
+            <a:pPr marL="216000" indent="-215640">
               <a:lnSpc>
                 <a:spcPct val="115000"/>
               </a:lnSpc>
@@ -2722,7 +2611,7 @@
             </a:endParaRPr>
           </a:p>
           <a:p>
-            <a:pPr marL="216000" indent="-216000">
+            <a:pPr marL="216000" indent="-215640">
               <a:lnSpc>
                 <a:spcPct val="115000"/>
               </a:lnSpc>
@@ -3073,749 +2962,33 @@
       </p:sp>
     </p:spTree>
   </p:cSld>
-</p:sld>
-</file>
-
-<file path=ppt/slides/slide2.xml><?xml version="1.0" encoding="utf-8"?>
-<p:sld xmlns:a="http://schemas.openxmlformats.org/drawingml/2006/main" xmlns:p="http://schemas.openxmlformats.org/presentationml/2006/main" xmlns:r="http://schemas.openxmlformats.org/officeDocument/2006/relationships" xmlns:p14="http://schemas.microsoft.com/office/powerpoint/2010/main" xmlns:p15="http://schemas.microsoft.com/office/powerpoint/2012/main" xmlns:mc="http://schemas.openxmlformats.org/markup-compatibility/2006">
-  <p:cSld>
-    <p:bg>
-      <p:bgPr>
-        <a:solidFill>
-          <a:srgbClr val="ffffff"/>
-        </a:solidFill>
-      </p:bgPr>
-    </p:bg>
-    <p:spTree>
-      <p:nvGrpSpPr>
-        <p:cNvPr id="1" name=""/>
-        <p:cNvGrpSpPr/>
-        <p:nvPr/>
-      </p:nvGrpSpPr>
-      <p:grpSpPr>
-        <a:xfrm>
-          <a:off x="0" y="0"/>
-          <a:ext cx="0" cy="0"/>
-          <a:chOff x="0" y="0"/>
-          <a:chExt cx="0" cy="0"/>
-        </a:xfrm>
-      </p:grpSpPr>
-      <p:sp>
-        <p:nvSpPr>
-          <p:cNvPr id="43" name="CustomShape 1"/>
-          <p:cNvSpPr/>
-          <p:nvPr/>
-        </p:nvSpPr>
-        <p:spPr>
-          <a:xfrm>
-            <a:off x="456480" y="1188720"/>
-            <a:ext cx="9066960" cy="6215400"/>
-          </a:xfrm>
-          <a:prstGeom prst="rect">
-            <a:avLst/>
-          </a:prstGeom>
-          <a:noFill/>
-          <a:ln>
-            <a:noFill/>
-          </a:ln>
-        </p:spPr>
-        <p:style>
-          <a:lnRef idx="0"/>
-          <a:fillRef idx="0"/>
-          <a:effectRef idx="0"/>
-          <a:fontRef idx="minor"/>
-        </p:style>
-        <p:txBody>
-          <a:bodyPr lIns="0" rIns="0" tIns="7200" bIns="0"/>
-          <a:p>
-            <a:pPr>
-              <a:lnSpc>
-                <a:spcPct val="98000"/>
-              </a:lnSpc>
-            </a:pPr>
-            <a:r>
-              <a:rPr b="0" lang="en-US" sz="2800" spc="-1" strike="noStrike">
-                <a:solidFill>
-                  <a:srgbClr val="000000"/>
-                </a:solidFill>
-                <a:uFill>
-                  <a:solidFill>
-                    <a:srgbClr val="ffffff"/>
-                  </a:solidFill>
-                </a:uFill>
-                <a:latin typeface="Georgia"/>
-                <a:ea typeface="Georgia"/>
-              </a:rPr>
-              <a:t> </a:t>
-            </a:r>
-            <a:endParaRPr b="0" lang="en-US" sz="1800" spc="-1" strike="noStrike">
-              <a:solidFill>
-                <a:srgbClr val="000000"/>
-              </a:solidFill>
-              <a:uFill>
-                <a:solidFill>
-                  <a:srgbClr val="ffffff"/>
-                </a:solidFill>
-              </a:uFill>
-              <a:latin typeface="Arial"/>
-            </a:endParaRPr>
-          </a:p>
-          <a:p>
-            <a:pPr>
-              <a:lnSpc>
-                <a:spcPct val="98000"/>
-              </a:lnSpc>
-            </a:pPr>
-            <a:r>
-              <a:rPr b="0" lang="en-US" sz="2800" spc="-1" strike="noStrike">
-                <a:solidFill>
-                  <a:srgbClr val="000000"/>
-                </a:solidFill>
-                <a:uFill>
-                  <a:solidFill>
-                    <a:srgbClr val="ffffff"/>
-                  </a:solidFill>
-                </a:uFill>
-                <a:latin typeface="Georgia"/>
-                <a:ea typeface="Georgia"/>
-              </a:rPr>
-              <a:t> </a:t>
-            </a:r>
-            <a:endParaRPr b="0" lang="en-US" sz="1800" spc="-1" strike="noStrike">
-              <a:solidFill>
-                <a:srgbClr val="000000"/>
-              </a:solidFill>
-              <a:uFill>
-                <a:solidFill>
-                  <a:srgbClr val="ffffff"/>
-                </a:solidFill>
-              </a:uFill>
-              <a:latin typeface="Arial"/>
-            </a:endParaRPr>
-          </a:p>
-          <a:p>
-            <a:pPr marL="215640" indent="-206280">
-              <a:lnSpc>
-                <a:spcPct val="98000"/>
-              </a:lnSpc>
-            </a:pPr>
-            <a:r>
-              <a:rPr b="0" lang="en-US" sz="2800" spc="-1" strike="noStrike">
-                <a:solidFill>
-                  <a:srgbClr val="000000"/>
-                </a:solidFill>
-                <a:uFill>
-                  <a:solidFill>
-                    <a:srgbClr val="ffffff"/>
-                  </a:solidFill>
-                </a:uFill>
-                <a:latin typeface="Georgia"/>
-                <a:ea typeface="Georgia"/>
-              </a:rPr>
-              <a:t> </a:t>
-            </a:r>
-            <a:endParaRPr b="0" lang="en-US" sz="1800" spc="-1" strike="noStrike">
-              <a:solidFill>
-                <a:srgbClr val="000000"/>
-              </a:solidFill>
-              <a:uFill>
-                <a:solidFill>
-                  <a:srgbClr val="ffffff"/>
-                </a:solidFill>
-              </a:uFill>
-              <a:latin typeface="Arial"/>
-            </a:endParaRPr>
-          </a:p>
-          <a:p>
-            <a:pPr marL="215640" indent="-206280">
-              <a:lnSpc>
-                <a:spcPct val="98000"/>
-              </a:lnSpc>
-            </a:pPr>
-            <a:r>
-              <a:rPr b="0" lang="en-US" sz="2800" spc="-1" strike="noStrike">
-                <a:solidFill>
-                  <a:srgbClr val="000000"/>
-                </a:solidFill>
-                <a:uFill>
-                  <a:solidFill>
-                    <a:srgbClr val="ffffff"/>
-                  </a:solidFill>
-                </a:uFill>
-                <a:latin typeface="Georgia"/>
-                <a:ea typeface="Georgia"/>
-              </a:rPr>
-              <a:t> </a:t>
-            </a:r>
-            <a:endParaRPr b="0" lang="en-US" sz="1800" spc="-1" strike="noStrike">
-              <a:solidFill>
-                <a:srgbClr val="000000"/>
-              </a:solidFill>
-              <a:uFill>
-                <a:solidFill>
-                  <a:srgbClr val="ffffff"/>
-                </a:solidFill>
-              </a:uFill>
-              <a:latin typeface="Arial"/>
-            </a:endParaRPr>
-          </a:p>
-          <a:p>
-            <a:pPr marL="215640" indent="-206280">
-              <a:lnSpc>
-                <a:spcPct val="98000"/>
-              </a:lnSpc>
-            </a:pPr>
-            <a:r>
-              <a:rPr b="0" lang="en-US" sz="2800" spc="-1" strike="noStrike">
-                <a:solidFill>
-                  <a:srgbClr val="000000"/>
-                </a:solidFill>
-                <a:uFill>
-                  <a:solidFill>
-                    <a:srgbClr val="ffffff"/>
-                  </a:solidFill>
-                </a:uFill>
-                <a:latin typeface="Georgia"/>
-                <a:ea typeface="Georgia"/>
-              </a:rPr>
-              <a:t> </a:t>
-            </a:r>
-            <a:endParaRPr b="0" lang="en-US" sz="1800" spc="-1" strike="noStrike">
-              <a:solidFill>
-                <a:srgbClr val="000000"/>
-              </a:solidFill>
-              <a:uFill>
-                <a:solidFill>
-                  <a:srgbClr val="ffffff"/>
-                </a:solidFill>
-              </a:uFill>
-              <a:latin typeface="Arial"/>
-            </a:endParaRPr>
-          </a:p>
-        </p:txBody>
-      </p:sp>
-      <p:sp>
-        <p:nvSpPr>
-          <p:cNvPr id="44" name="CustomShape 2"/>
-          <p:cNvSpPr/>
-          <p:nvPr/>
-        </p:nvSpPr>
-        <p:spPr>
-          <a:xfrm>
-            <a:off x="437760" y="194400"/>
-            <a:ext cx="9066960" cy="6752880"/>
-          </a:xfrm>
-          <a:custGeom>
-            <a:avLst/>
-            <a:gdLst/>
-            <a:ahLst/>
-            <a:rect l="l" t="t" r="r" b="b"/>
-            <a:pathLst>
-              <a:path w="21600" h="21600">
-                <a:moveTo>
-                  <a:pt x="0" y="0"/>
-                </a:moveTo>
-                <a:lnTo>
-                  <a:pt x="21600" y="0"/>
-                </a:lnTo>
-                <a:lnTo>
-                  <a:pt x="21600" y="21600"/>
-                </a:lnTo>
-                <a:lnTo>
-                  <a:pt x="0" y="21600"/>
-                </a:lnTo>
-                <a:lnTo>
-                  <a:pt x="0" y="0"/>
-                </a:lnTo>
-                <a:close/>
-              </a:path>
-            </a:pathLst>
-          </a:custGeom>
-          <a:noFill/>
-          <a:ln>
-            <a:noFill/>
-          </a:ln>
-        </p:spPr>
-        <p:style>
-          <a:lnRef idx="0"/>
-          <a:fillRef idx="0"/>
-          <a:effectRef idx="0"/>
-          <a:fontRef idx="minor"/>
-        </p:style>
-        <p:txBody>
-          <a:bodyPr lIns="0" rIns="0" tIns="7200" bIns="0"/>
-          <a:p>
-            <a:pPr>
-              <a:lnSpc>
-                <a:spcPct val="115000"/>
-              </a:lnSpc>
-            </a:pPr>
-            <a:r>
-              <a:rPr b="0" lang="en-US" sz="2200" spc="-1" strike="noStrike">
-                <a:solidFill>
-                  <a:srgbClr val="000000"/>
-                </a:solidFill>
-                <a:uFill>
-                  <a:solidFill>
-                    <a:srgbClr val="ffffff"/>
-                  </a:solidFill>
-                </a:uFill>
-                <a:latin typeface="Georgia"/>
-                <a:ea typeface="Georgia"/>
-              </a:rPr>
-              <a:t>Thomson discovered the electron.</a:t>
-            </a:r>
-            <a:endParaRPr b="0" lang="en-US" sz="1800" spc="-1" strike="noStrike">
-              <a:solidFill>
-                <a:srgbClr val="000000"/>
-              </a:solidFill>
-              <a:uFill>
-                <a:solidFill>
-                  <a:srgbClr val="ffffff"/>
-                </a:solidFill>
-              </a:uFill>
-              <a:latin typeface="Arial"/>
-            </a:endParaRPr>
-          </a:p>
-          <a:p>
-            <a:pPr>
-              <a:lnSpc>
-                <a:spcPct val="115000"/>
-              </a:lnSpc>
-            </a:pPr>
-            <a:r>
-              <a:rPr b="0" lang="en-US" sz="2200" spc="-1" strike="noStrike">
-                <a:solidFill>
-                  <a:srgbClr val="000000"/>
-                </a:solidFill>
-                <a:uFill>
-                  <a:solidFill>
-                    <a:srgbClr val="ffffff"/>
-                  </a:solidFill>
-                </a:uFill>
-                <a:latin typeface="Georgia"/>
-                <a:ea typeface="Georgia"/>
-              </a:rPr>
-              <a:t>The electron was discovered by Thomson.</a:t>
-            </a:r>
-            <a:endParaRPr b="0" lang="en-US" sz="1800" spc="-1" strike="noStrike">
-              <a:solidFill>
-                <a:srgbClr val="000000"/>
-              </a:solidFill>
-              <a:uFill>
-                <a:solidFill>
-                  <a:srgbClr val="ffffff"/>
-                </a:solidFill>
-              </a:uFill>
-              <a:latin typeface="Arial"/>
-            </a:endParaRPr>
-          </a:p>
-          <a:p>
-            <a:pPr>
-              <a:lnSpc>
-                <a:spcPct val="115000"/>
-              </a:lnSpc>
-            </a:pPr>
-            <a:r>
-              <a:rPr b="0" lang="en-US" sz="2200" spc="-1" strike="noStrike">
-                <a:solidFill>
-                  <a:srgbClr val="000000"/>
-                </a:solidFill>
-                <a:uFill>
-                  <a:solidFill>
-                    <a:srgbClr val="ffffff"/>
-                  </a:solidFill>
-                </a:uFill>
-                <a:latin typeface="Georgia"/>
-                <a:ea typeface="Georgia"/>
-              </a:rPr>
-              <a:t>The electron was discovered at Cambridge.</a:t>
-            </a:r>
-            <a:endParaRPr b="0" lang="en-US" sz="1800" spc="-1" strike="noStrike">
-              <a:solidFill>
-                <a:srgbClr val="000000"/>
-              </a:solidFill>
-              <a:uFill>
-                <a:solidFill>
-                  <a:srgbClr val="ffffff"/>
-                </a:solidFill>
-              </a:uFill>
-              <a:latin typeface="Arial"/>
-            </a:endParaRPr>
-          </a:p>
-          <a:p>
-            <a:pPr>
-              <a:lnSpc>
-                <a:spcPct val="115000"/>
-              </a:lnSpc>
-            </a:pPr>
-            <a:r>
-              <a:rPr b="0" lang="en-US" sz="2200" spc="-1" strike="noStrike">
-                <a:solidFill>
-                  <a:srgbClr val="000000"/>
-                </a:solidFill>
-                <a:uFill>
-                  <a:solidFill>
-                    <a:srgbClr val="ffffff"/>
-                  </a:solidFill>
-                </a:uFill>
-                <a:latin typeface="Georgia"/>
-                <a:ea typeface="Georgia"/>
-              </a:rPr>
-              <a:t>The man was arrested.</a:t>
-            </a:r>
-            <a:endParaRPr b="0" lang="en-US" sz="1800" spc="-1" strike="noStrike">
-              <a:solidFill>
-                <a:srgbClr val="000000"/>
-              </a:solidFill>
-              <a:uFill>
-                <a:solidFill>
-                  <a:srgbClr val="ffffff"/>
-                </a:solidFill>
-              </a:uFill>
-              <a:latin typeface="Arial"/>
-            </a:endParaRPr>
-          </a:p>
-          <a:p>
-            <a:pPr>
-              <a:lnSpc>
-                <a:spcPct val="115000"/>
-              </a:lnSpc>
-            </a:pPr>
-            <a:r>
-              <a:rPr b="0" lang="en-US" sz="2200" spc="-1" strike="noStrike">
-                <a:solidFill>
-                  <a:srgbClr val="000000"/>
-                </a:solidFill>
-                <a:uFill>
-                  <a:solidFill>
-                    <a:srgbClr val="ffffff"/>
-                  </a:solidFill>
-                </a:uFill>
-                <a:latin typeface="Georgia"/>
-                <a:ea typeface="Georgia"/>
-              </a:rPr>
-              <a:t>My car was stolen. // We do not know who stole my car.</a:t>
-            </a:r>
-            <a:endParaRPr b="0" lang="en-US" sz="1800" spc="-1" strike="noStrike">
-              <a:solidFill>
-                <a:srgbClr val="000000"/>
-              </a:solidFill>
-              <a:uFill>
-                <a:solidFill>
-                  <a:srgbClr val="ffffff"/>
-                </a:solidFill>
-              </a:uFill>
-              <a:latin typeface="Arial"/>
-            </a:endParaRPr>
-          </a:p>
-          <a:p>
-            <a:pPr>
-              <a:lnSpc>
-                <a:spcPct val="115000"/>
-              </a:lnSpc>
-            </a:pPr>
-            <a:r>
-              <a:rPr b="0" lang="en-US" sz="2200" spc="-1" strike="noStrike">
-                <a:solidFill>
-                  <a:srgbClr val="000000"/>
-                </a:solidFill>
-                <a:uFill>
-                  <a:solidFill>
-                    <a:srgbClr val="ffffff"/>
-                  </a:solidFill>
-                </a:uFill>
-                <a:latin typeface="Georgia"/>
-                <a:ea typeface="Georgia"/>
-              </a:rPr>
-              <a:t>Mistakes have been made.</a:t>
-            </a:r>
-            <a:endParaRPr b="0" lang="en-US" sz="1800" spc="-1" strike="noStrike">
-              <a:solidFill>
-                <a:srgbClr val="000000"/>
-              </a:solidFill>
-              <a:uFill>
-                <a:solidFill>
-                  <a:srgbClr val="ffffff"/>
-                </a:solidFill>
-              </a:uFill>
-              <a:latin typeface="Arial"/>
-            </a:endParaRPr>
-          </a:p>
-          <a:p>
-            <a:pPr>
-              <a:lnSpc>
-                <a:spcPct val="115000"/>
-              </a:lnSpc>
-            </a:pPr>
-            <a:r>
-              <a:rPr b="0" lang="en-US" sz="2200" spc="-1" strike="noStrike">
-                <a:solidFill>
-                  <a:srgbClr val="000000"/>
-                </a:solidFill>
-                <a:uFill>
-                  <a:solidFill>
-                    <a:srgbClr val="ffffff"/>
-                  </a:solidFill>
-                </a:uFill>
-                <a:latin typeface="Georgia"/>
-                <a:ea typeface="Georgia"/>
-              </a:rPr>
-              <a:t>This book must be returned to the library by the date above.</a:t>
-            </a:r>
-            <a:endParaRPr b="0" lang="en-US" sz="1800" spc="-1" strike="noStrike">
-              <a:solidFill>
-                <a:srgbClr val="000000"/>
-              </a:solidFill>
-              <a:uFill>
-                <a:solidFill>
-                  <a:srgbClr val="ffffff"/>
-                </a:solidFill>
-              </a:uFill>
-              <a:latin typeface="Arial"/>
-            </a:endParaRPr>
-          </a:p>
-          <a:p>
-            <a:pPr>
-              <a:lnSpc>
-                <a:spcPct val="115000"/>
-              </a:lnSpc>
-            </a:pPr>
-            <a:r>
-              <a:rPr b="0" lang="en-US" sz="2200" spc="-1" strike="noStrike">
-                <a:solidFill>
-                  <a:srgbClr val="000000"/>
-                </a:solidFill>
-                <a:uFill>
-                  <a:solidFill>
-                    <a:srgbClr val="ffffff"/>
-                  </a:solidFill>
-                </a:uFill>
-                <a:latin typeface="Georgia"/>
-                <a:ea typeface="Georgia"/>
-              </a:rPr>
-              <a:t>James bond was created by Ian Fleming.</a:t>
-            </a:r>
-            <a:endParaRPr b="0" lang="en-US" sz="1800" spc="-1" strike="noStrike">
-              <a:solidFill>
-                <a:srgbClr val="000000"/>
-              </a:solidFill>
-              <a:uFill>
-                <a:solidFill>
-                  <a:srgbClr val="ffffff"/>
-                </a:solidFill>
-              </a:uFill>
-              <a:latin typeface="Arial"/>
-            </a:endParaRPr>
-          </a:p>
-          <a:p>
-            <a:pPr>
-              <a:lnSpc>
-                <a:spcPct val="115000"/>
-              </a:lnSpc>
-            </a:pPr>
-            <a:endParaRPr b="0" lang="en-US" sz="1800" spc="-1" strike="noStrike">
-              <a:solidFill>
-                <a:srgbClr val="000000"/>
-              </a:solidFill>
-              <a:uFill>
-                <a:solidFill>
-                  <a:srgbClr val="ffffff"/>
-                </a:solidFill>
-              </a:uFill>
-              <a:latin typeface="Arial"/>
-            </a:endParaRPr>
-          </a:p>
-          <a:p>
-            <a:pPr>
-              <a:lnSpc>
-                <a:spcPct val="115000"/>
-              </a:lnSpc>
-            </a:pPr>
-            <a:r>
-              <a:rPr b="0" lang="en-US" sz="2200" spc="-1" strike="noStrike">
-                <a:solidFill>
-                  <a:srgbClr val="000000"/>
-                </a:solidFill>
-                <a:uFill>
-                  <a:solidFill>
-                    <a:srgbClr val="ffffff"/>
-                  </a:solidFill>
-                </a:uFill>
-                <a:latin typeface="Georgia"/>
-                <a:ea typeface="Georgia"/>
-              </a:rPr>
-              <a:t>1. Verbs which can not be passive: An intransitive verb can not be passive.</a:t>
-            </a:r>
-            <a:endParaRPr b="0" lang="en-US" sz="1800" spc="-1" strike="noStrike">
-              <a:solidFill>
-                <a:srgbClr val="000000"/>
-              </a:solidFill>
-              <a:uFill>
-                <a:solidFill>
-                  <a:srgbClr val="ffffff"/>
-                </a:solidFill>
-              </a:uFill>
-              <a:latin typeface="Arial"/>
-            </a:endParaRPr>
-          </a:p>
-          <a:p>
-            <a:pPr>
-              <a:lnSpc>
-                <a:spcPct val="115000"/>
-              </a:lnSpc>
-            </a:pPr>
-            <a:r>
-              <a:rPr b="0" lang="en-US" sz="2200" spc="-1" strike="noStrike">
-                <a:solidFill>
-                  <a:srgbClr val="000000"/>
-                </a:solidFill>
-                <a:uFill>
-                  <a:solidFill>
-                    <a:srgbClr val="ffffff"/>
-                  </a:solidFill>
-                </a:uFill>
-                <a:latin typeface="Georgia"/>
-                <a:ea typeface="Georgia"/>
-              </a:rPr>
-              <a:t>2. Some state verbs can not be passive.</a:t>
-            </a:r>
-            <a:endParaRPr b="0" lang="en-US" sz="1800" spc="-1" strike="noStrike">
-              <a:solidFill>
-                <a:srgbClr val="000000"/>
-              </a:solidFill>
-              <a:uFill>
-                <a:solidFill>
-                  <a:srgbClr val="ffffff"/>
-                </a:solidFill>
-              </a:uFill>
-              <a:latin typeface="Arial"/>
-            </a:endParaRPr>
-          </a:p>
-          <a:p>
-            <a:pPr>
-              <a:lnSpc>
-                <a:spcPct val="115000"/>
-              </a:lnSpc>
-            </a:pPr>
-            <a:endParaRPr b="0" lang="en-US" sz="1800" spc="-1" strike="noStrike">
-              <a:solidFill>
-                <a:srgbClr val="000000"/>
-              </a:solidFill>
-              <a:uFill>
-                <a:solidFill>
-                  <a:srgbClr val="ffffff"/>
-                </a:solidFill>
-              </a:uFill>
-              <a:latin typeface="Arial"/>
-            </a:endParaRPr>
-          </a:p>
-          <a:p>
-            <a:pPr>
-              <a:lnSpc>
-                <a:spcPct val="115000"/>
-              </a:lnSpc>
-            </a:pPr>
-            <a:r>
-              <a:rPr b="0" lang="en-US" sz="2200" spc="-1" strike="noStrike">
-                <a:solidFill>
-                  <a:srgbClr val="000000"/>
-                </a:solidFill>
-                <a:uFill>
-                  <a:solidFill>
-                    <a:srgbClr val="ffffff"/>
-                  </a:solidFill>
-                </a:uFill>
-                <a:latin typeface="Georgia"/>
-                <a:ea typeface="Georgia"/>
-              </a:rPr>
-              <a:t>The baby is smiling. </a:t>
-            </a:r>
-            <a:endParaRPr b="0" lang="en-US" sz="1800" spc="-1" strike="noStrike">
-              <a:solidFill>
-                <a:srgbClr val="000000"/>
-              </a:solidFill>
-              <a:uFill>
-                <a:solidFill>
-                  <a:srgbClr val="ffffff"/>
-                </a:solidFill>
-              </a:uFill>
-              <a:latin typeface="Arial"/>
-            </a:endParaRPr>
-          </a:p>
-          <a:p>
-            <a:pPr>
-              <a:lnSpc>
-                <a:spcPct val="115000"/>
-              </a:lnSpc>
-            </a:pPr>
-            <a:r>
-              <a:rPr b="0" lang="en-US" sz="2200" spc="-1" strike="noStrike">
-                <a:solidFill>
-                  <a:srgbClr val="000000"/>
-                </a:solidFill>
-                <a:uFill>
-                  <a:solidFill>
-                    <a:srgbClr val="ffffff"/>
-                  </a:solidFill>
-                </a:uFill>
-                <a:latin typeface="Georgia"/>
-                <a:ea typeface="Georgia"/>
-              </a:rPr>
-              <a:t>Peter has a guitar. </a:t>
-            </a:r>
-            <a:endParaRPr b="0" lang="en-US" sz="1800" spc="-1" strike="noStrike">
-              <a:solidFill>
-                <a:srgbClr val="000000"/>
-              </a:solidFill>
-              <a:uFill>
-                <a:solidFill>
-                  <a:srgbClr val="ffffff"/>
-                </a:solidFill>
-              </a:uFill>
-              <a:latin typeface="Arial"/>
-            </a:endParaRPr>
-          </a:p>
-          <a:p>
-            <a:pPr>
-              <a:lnSpc>
-                <a:spcPct val="115000"/>
-              </a:lnSpc>
-            </a:pPr>
-            <a:endParaRPr b="0" lang="en-US" sz="1800" spc="-1" strike="noStrike">
-              <a:solidFill>
-                <a:srgbClr val="000000"/>
-              </a:solidFill>
-              <a:uFill>
-                <a:solidFill>
-                  <a:srgbClr val="ffffff"/>
-                </a:solidFill>
-              </a:uFill>
-              <a:latin typeface="Arial"/>
-            </a:endParaRPr>
-          </a:p>
-          <a:p>
-            <a:pPr>
-              <a:lnSpc>
-                <a:spcPct val="115000"/>
-              </a:lnSpc>
-            </a:pPr>
-            <a:endParaRPr b="0" lang="en-US" sz="1800" spc="-1" strike="noStrike">
-              <a:solidFill>
-                <a:srgbClr val="000000"/>
-              </a:solidFill>
-              <a:uFill>
-                <a:solidFill>
-                  <a:srgbClr val="ffffff"/>
-                </a:solidFill>
-              </a:uFill>
-              <a:latin typeface="Arial"/>
-            </a:endParaRPr>
-          </a:p>
-        </p:txBody>
-      </p:sp>
-    </p:spTree>
-  </p:cSld>
+  <p:timing>
+    <p:tnLst>
+      <p:par>
+        <p:cTn id="1" dur="indefinite" restart="never" nodeType="tmRoot">
+          <p:childTnLst>
+            <p:seq>
+              <p:cTn id="2" nodeType="mainSeq"/>
+              <p:prevCondLst>
+                <p:cond delay="0" evt="onPrev">
+                  <p:tgtEl>
+                    <p:sldTgt/>
+                  </p:tgtEl>
+                </p:cond>
+              </p:prevCondLst>
+              <p:nextCondLst>
+                <p:cond delay="0" evt="onNext">
+                  <p:tgtEl>
+                    <p:sldTgt/>
+                  </p:tgtEl>
+                </p:cond>
+              </p:nextCondLst>
+            </p:seq>
+          </p:childTnLst>
+        </p:cTn>
+      </p:par>
+    </p:tnLst>
+  </p:timing>
 </p:sld>
 </file>
 
